--- a/media/jags_diagram.pptx
+++ b/media/jags_diagram.pptx
@@ -243,7 +243,7 @@
           <a:p>
             <a:fld id="{DB5DB3A3-92FB-8E48-84F3-705380B138CE}" type="datetimeFigureOut">
               <a:rPr lang="en-US" smtClean="0"/>
-              <a:t>9/8/18</a:t>
+              <a:t>10/18/18</a:t>
             </a:fld>
             <a:endParaRPr lang="en-US"/>
           </a:p>
@@ -413,7 +413,7 @@
           <a:p>
             <a:fld id="{DB5DB3A3-92FB-8E48-84F3-705380B138CE}" type="datetimeFigureOut">
               <a:rPr lang="en-US" smtClean="0"/>
-              <a:t>9/8/18</a:t>
+              <a:t>10/18/18</a:t>
             </a:fld>
             <a:endParaRPr lang="en-US"/>
           </a:p>
@@ -593,7 +593,7 @@
           <a:p>
             <a:fld id="{DB5DB3A3-92FB-8E48-84F3-705380B138CE}" type="datetimeFigureOut">
               <a:rPr lang="en-US" smtClean="0"/>
-              <a:t>9/8/18</a:t>
+              <a:t>10/18/18</a:t>
             </a:fld>
             <a:endParaRPr lang="en-US"/>
           </a:p>
@@ -763,7 +763,7 @@
           <a:p>
             <a:fld id="{DB5DB3A3-92FB-8E48-84F3-705380B138CE}" type="datetimeFigureOut">
               <a:rPr lang="en-US" smtClean="0"/>
-              <a:t>9/8/18</a:t>
+              <a:t>10/18/18</a:t>
             </a:fld>
             <a:endParaRPr lang="en-US"/>
           </a:p>
@@ -1009,7 +1009,7 @@
           <a:p>
             <a:fld id="{DB5DB3A3-92FB-8E48-84F3-705380B138CE}" type="datetimeFigureOut">
               <a:rPr lang="en-US" smtClean="0"/>
-              <a:t>9/8/18</a:t>
+              <a:t>10/18/18</a:t>
             </a:fld>
             <a:endParaRPr lang="en-US"/>
           </a:p>
@@ -1241,7 +1241,7 @@
           <a:p>
             <a:fld id="{DB5DB3A3-92FB-8E48-84F3-705380B138CE}" type="datetimeFigureOut">
               <a:rPr lang="en-US" smtClean="0"/>
-              <a:t>9/8/18</a:t>
+              <a:t>10/18/18</a:t>
             </a:fld>
             <a:endParaRPr lang="en-US"/>
           </a:p>
@@ -1608,7 +1608,7 @@
           <a:p>
             <a:fld id="{DB5DB3A3-92FB-8E48-84F3-705380B138CE}" type="datetimeFigureOut">
               <a:rPr lang="en-US" smtClean="0"/>
-              <a:t>9/8/18</a:t>
+              <a:t>10/18/18</a:t>
             </a:fld>
             <a:endParaRPr lang="en-US"/>
           </a:p>
@@ -1726,7 +1726,7 @@
           <a:p>
             <a:fld id="{DB5DB3A3-92FB-8E48-84F3-705380B138CE}" type="datetimeFigureOut">
               <a:rPr lang="en-US" smtClean="0"/>
-              <a:t>9/8/18</a:t>
+              <a:t>10/18/18</a:t>
             </a:fld>
             <a:endParaRPr lang="en-US"/>
           </a:p>
@@ -1821,7 +1821,7 @@
           <a:p>
             <a:fld id="{DB5DB3A3-92FB-8E48-84F3-705380B138CE}" type="datetimeFigureOut">
               <a:rPr lang="en-US" smtClean="0"/>
-              <a:t>9/8/18</a:t>
+              <a:t>10/18/18</a:t>
             </a:fld>
             <a:endParaRPr lang="en-US"/>
           </a:p>
@@ -2098,7 +2098,7 @@
           <a:p>
             <a:fld id="{DB5DB3A3-92FB-8E48-84F3-705380B138CE}" type="datetimeFigureOut">
               <a:rPr lang="en-US" smtClean="0"/>
-              <a:t>9/8/18</a:t>
+              <a:t>10/18/18</a:t>
             </a:fld>
             <a:endParaRPr lang="en-US"/>
           </a:p>
@@ -2351,7 +2351,7 @@
           <a:p>
             <a:fld id="{DB5DB3A3-92FB-8E48-84F3-705380B138CE}" type="datetimeFigureOut">
               <a:rPr lang="en-US" smtClean="0"/>
-              <a:t>9/8/18</a:t>
+              <a:t>10/18/18</a:t>
             </a:fld>
             <a:endParaRPr lang="en-US"/>
           </a:p>
@@ -2564,7 +2564,7 @@
           <a:p>
             <a:fld id="{DB5DB3A3-92FB-8E48-84F3-705380B138CE}" type="datetimeFigureOut">
               <a:rPr lang="en-US" smtClean="0"/>
-              <a:t>9/8/18</a:t>
+              <a:t>10/18/18</a:t>
             </a:fld>
             <a:endParaRPr lang="en-US"/>
           </a:p>
@@ -2969,75 +2969,75 @@
           <a:chExt cx="0" cy="0"/>
         </a:xfrm>
       </p:grpSpPr>
-      <p:sp>
-        <p:nvSpPr>
-          <p:cNvPr id="2" name="Rounded Rectangle 1"/>
-          <p:cNvSpPr/>
-          <p:nvPr/>
-        </p:nvSpPr>
-        <p:spPr>
-          <a:xfrm>
-            <a:off x="1360558" y="447097"/>
-            <a:ext cx="1511635" cy="1224139"/>
-          </a:xfrm>
-          <a:prstGeom prst="roundRect">
-            <a:avLst/>
-          </a:prstGeom>
-          <a:solidFill>
-            <a:schemeClr val="bg1">
-              <a:lumMod val="85000"/>
-            </a:schemeClr>
-          </a:solidFill>
-          <a:ln>
-            <a:noFill/>
-          </a:ln>
-        </p:spPr>
-        <p:style>
-          <a:lnRef idx="2">
-            <a:schemeClr val="accent1">
-              <a:shade val="50000"/>
-            </a:schemeClr>
-          </a:lnRef>
-          <a:fillRef idx="1">
-            <a:schemeClr val="accent1"/>
-          </a:fillRef>
-          <a:effectRef idx="0">
-            <a:schemeClr val="accent1"/>
-          </a:effectRef>
-          <a:fontRef idx="minor">
-            <a:schemeClr val="lt1"/>
-          </a:fontRef>
-        </p:style>
-        <p:txBody>
-          <a:bodyPr tIns="0" rtlCol="0" anchor="t"/>
-          <a:lstStyle/>
-          <a:p>
-            <a:pPr algn="ctr"/>
-            <a:endParaRPr lang="en-US" sz="1600" dirty="0">
-              <a:solidFill>
-                <a:schemeClr val="tx1"/>
-              </a:solidFill>
-              <a:latin typeface="Times New Roman" charset="0"/>
-              <a:ea typeface="Times New Roman" charset="0"/>
-              <a:cs typeface="Times New Roman" charset="0"/>
-            </a:endParaRPr>
-          </a:p>
-        </p:txBody>
-      </p:sp>
       <p:grpSp>
         <p:nvGrpSpPr>
-          <p:cNvPr id="185" name="Group 184"/>
+          <p:cNvPr id="4" name="Group 3"/>
           <p:cNvGrpSpPr/>
           <p:nvPr/>
         </p:nvGrpSpPr>
         <p:grpSpPr>
           <a:xfrm>
-            <a:off x="770266" y="447098"/>
-            <a:ext cx="5602006" cy="2159205"/>
-            <a:chOff x="770266" y="280838"/>
-            <a:chExt cx="5602006" cy="2159205"/>
+            <a:off x="770266" y="489695"/>
+            <a:ext cx="5602006" cy="2506374"/>
+            <a:chOff x="770266" y="121395"/>
+            <a:chExt cx="5602006" cy="2506374"/>
           </a:xfrm>
         </p:grpSpPr>
+        <p:sp>
+          <p:nvSpPr>
+            <p:cNvPr id="2" name="Rounded Rectangle 1"/>
+            <p:cNvSpPr/>
+            <p:nvPr/>
+          </p:nvSpPr>
+          <p:spPr>
+            <a:xfrm>
+              <a:off x="1360558" y="447097"/>
+              <a:ext cx="1615207" cy="1224139"/>
+            </a:xfrm>
+            <a:prstGeom prst="roundRect">
+              <a:avLst/>
+            </a:prstGeom>
+            <a:solidFill>
+              <a:schemeClr val="bg1">
+                <a:lumMod val="85000"/>
+              </a:schemeClr>
+            </a:solidFill>
+            <a:ln>
+              <a:noFill/>
+            </a:ln>
+          </p:spPr>
+          <p:style>
+            <a:lnRef idx="2">
+              <a:schemeClr val="accent1">
+                <a:shade val="50000"/>
+              </a:schemeClr>
+            </a:lnRef>
+            <a:fillRef idx="1">
+              <a:schemeClr val="accent1"/>
+            </a:fillRef>
+            <a:effectRef idx="0">
+              <a:schemeClr val="accent1"/>
+            </a:effectRef>
+            <a:fontRef idx="minor">
+              <a:schemeClr val="lt1"/>
+            </a:fontRef>
+          </p:style>
+          <p:txBody>
+            <a:bodyPr tIns="0" rtlCol="0" anchor="t"/>
+            <a:lstStyle/>
+            <a:p>
+              <a:pPr algn="ctr"/>
+              <a:endParaRPr lang="en-US" sz="1600" dirty="0">
+                <a:solidFill>
+                  <a:schemeClr val="tx1"/>
+                </a:solidFill>
+                <a:latin typeface="Open Sans" charset="0"/>
+                <a:ea typeface="Open Sans" charset="0"/>
+                <a:cs typeface="Open Sans" charset="0"/>
+              </a:endParaRPr>
+            </a:p>
+          </p:txBody>
+        </p:sp>
         <p:grpSp>
           <p:nvGrpSpPr>
             <p:cNvPr id="99" name="Group 98"/>
@@ -3046,7 +3046,7 @@
           </p:nvGrpSpPr>
           <p:grpSpPr>
             <a:xfrm>
-              <a:off x="5554485" y="849315"/>
+              <a:off x="5554485" y="1015575"/>
               <a:ext cx="607728" cy="601649"/>
               <a:chOff x="2083195" y="904201"/>
               <a:chExt cx="607728" cy="601649"/>
@@ -3096,7 +3096,11 @@
               <a:lstStyle/>
               <a:p>
                 <a:pPr algn="ctr"/>
-                <a:endParaRPr lang="en-US"/>
+                <a:endParaRPr lang="en-US">
+                  <a:latin typeface="Open Sans" charset="0"/>
+                  <a:ea typeface="Open Sans" charset="0"/>
+                  <a:cs typeface="Open Sans" charset="0"/>
+                </a:endParaRPr>
               </a:p>
             </p:txBody>
           </p:sp>
@@ -3144,7 +3148,11 @@
               <a:lstStyle/>
               <a:p>
                 <a:pPr algn="ctr"/>
-                <a:endParaRPr lang="en-US"/>
+                <a:endParaRPr lang="en-US">
+                  <a:latin typeface="Open Sans" charset="0"/>
+                  <a:ea typeface="Open Sans" charset="0"/>
+                  <a:cs typeface="Open Sans" charset="0"/>
+                </a:endParaRPr>
               </a:p>
             </p:txBody>
           </p:sp>
@@ -3192,7 +3200,11 @@
               <a:lstStyle/>
               <a:p>
                 <a:pPr algn="ctr"/>
-                <a:endParaRPr lang="en-US"/>
+                <a:endParaRPr lang="en-US">
+                  <a:latin typeface="Open Sans" charset="0"/>
+                  <a:ea typeface="Open Sans" charset="0"/>
+                  <a:cs typeface="Open Sans" charset="0"/>
+                </a:endParaRPr>
               </a:p>
             </p:txBody>
           </p:sp>
@@ -3205,7 +3217,7 @@
           </p:nvGrpSpPr>
           <p:grpSpPr>
             <a:xfrm>
-              <a:off x="3352032" y="843813"/>
+              <a:off x="3352032" y="1010073"/>
               <a:ext cx="607728" cy="601649"/>
               <a:chOff x="2083195" y="904201"/>
               <a:chExt cx="607728" cy="601649"/>
@@ -3255,7 +3267,11 @@
               <a:lstStyle/>
               <a:p>
                 <a:pPr algn="ctr"/>
-                <a:endParaRPr lang="en-US"/>
+                <a:endParaRPr lang="en-US">
+                  <a:latin typeface="Open Sans" charset="0"/>
+                  <a:ea typeface="Open Sans" charset="0"/>
+                  <a:cs typeface="Open Sans" charset="0"/>
+                </a:endParaRPr>
               </a:p>
             </p:txBody>
           </p:sp>
@@ -3303,7 +3319,11 @@
               <a:lstStyle/>
               <a:p>
                 <a:pPr algn="ctr"/>
-                <a:endParaRPr lang="en-US"/>
+                <a:endParaRPr lang="en-US">
+                  <a:latin typeface="Open Sans" charset="0"/>
+                  <a:ea typeface="Open Sans" charset="0"/>
+                  <a:cs typeface="Open Sans" charset="0"/>
+                </a:endParaRPr>
               </a:p>
             </p:txBody>
           </p:sp>
@@ -3351,7 +3371,11 @@
               <a:lstStyle/>
               <a:p>
                 <a:pPr algn="ctr"/>
-                <a:endParaRPr lang="en-US"/>
+                <a:endParaRPr lang="en-US">
+                  <a:latin typeface="Open Sans" charset="0"/>
+                  <a:ea typeface="Open Sans" charset="0"/>
+                  <a:cs typeface="Open Sans" charset="0"/>
+                </a:endParaRPr>
               </a:p>
             </p:txBody>
           </p:sp>
@@ -3364,7 +3388,7 @@
           </p:nvSpPr>
           <p:spPr>
             <a:xfrm>
-              <a:off x="1398225" y="1809638"/>
+              <a:off x="1398225" y="1975898"/>
               <a:ext cx="456600" cy="456600"/>
             </a:xfrm>
             <a:prstGeom prst="ellipse">
@@ -3400,17 +3424,17 @@
               </a:pPr>
               <a:r>
                 <a:rPr lang="en-US" sz="1600" dirty="0" smtClean="0">
-                  <a:latin typeface="Times New Roman" charset="0"/>
-                  <a:ea typeface="Times New Roman" charset="0"/>
-                  <a:cs typeface="Times New Roman" charset="0"/>
+                  <a:latin typeface="Open Sans" charset="0"/>
+                  <a:ea typeface="Open Sans" charset="0"/>
+                  <a:cs typeface="Open Sans" charset="0"/>
                   <a:sym typeface="Open Sans"/>
                 </a:rPr>
                 <a:t>WK</a:t>
               </a:r>
               <a:endParaRPr sz="1600" dirty="0">
-                <a:latin typeface="Times New Roman" charset="0"/>
-                <a:ea typeface="Times New Roman" charset="0"/>
-                <a:cs typeface="Times New Roman" charset="0"/>
+                <a:latin typeface="Open Sans" charset="0"/>
+                <a:ea typeface="Open Sans" charset="0"/>
+                <a:cs typeface="Open Sans" charset="0"/>
                 <a:sym typeface="Open Sans"/>
               </a:endParaRPr>
             </a:p>
@@ -3424,7 +3448,7 @@
           </p:nvSpPr>
           <p:spPr>
             <a:xfrm>
-              <a:off x="3403662" y="1635743"/>
+              <a:off x="3403662" y="1802003"/>
               <a:ext cx="456600" cy="804300"/>
             </a:xfrm>
             <a:prstGeom prst="roundRect">
@@ -3462,17 +3486,17 @@
               </a:pPr>
               <a:r>
                 <a:rPr lang="en-US" sz="1600" dirty="0" smtClean="0">
-                  <a:latin typeface="Times New Roman" charset="0"/>
-                  <a:ea typeface="Times New Roman" charset="0"/>
-                  <a:cs typeface="Times New Roman" charset="0"/>
+                  <a:latin typeface="Open Sans" charset="0"/>
+                  <a:ea typeface="Open Sans" charset="0"/>
+                  <a:cs typeface="Open Sans" charset="0"/>
                   <a:sym typeface="Open Sans"/>
                 </a:rPr>
                 <a:t>FP</a:t>
               </a:r>
               <a:endParaRPr sz="1600" dirty="0">
-                <a:latin typeface="Times New Roman" charset="0"/>
-                <a:ea typeface="Times New Roman" charset="0"/>
-                <a:cs typeface="Times New Roman" charset="0"/>
+                <a:latin typeface="Open Sans" charset="0"/>
+                <a:ea typeface="Open Sans" charset="0"/>
+                <a:cs typeface="Open Sans" charset="0"/>
                 <a:sym typeface="Open Sans"/>
               </a:endParaRPr>
             </a:p>
@@ -3489,7 +3513,7 @@
           </p:nvCxnSpPr>
           <p:spPr>
             <a:xfrm flipV="1">
-              <a:off x="1854825" y="2037893"/>
+              <a:off x="1854825" y="2204153"/>
               <a:ext cx="1548837" cy="45"/>
             </a:xfrm>
             <a:prstGeom prst="straightConnector1">
@@ -3515,7 +3539,7 @@
           </p:nvSpPr>
           <p:spPr>
             <a:xfrm rot="16200000">
-              <a:off x="5553699" y="1588700"/>
+              <a:off x="5553699" y="1754960"/>
               <a:ext cx="609300" cy="898500"/>
             </a:xfrm>
             <a:prstGeom prst="trapezoid">
@@ -3553,16 +3577,16 @@
               </a:pPr>
               <a:r>
                 <a:rPr lang="en-US" sz="1600" dirty="0" smtClean="0">
-                  <a:latin typeface="Times New Roman" charset="0"/>
-                  <a:ea typeface="Times New Roman" charset="0"/>
-                  <a:cs typeface="Times New Roman" charset="0"/>
+                  <a:latin typeface="Open Sans" charset="0"/>
+                  <a:ea typeface="Open Sans" charset="0"/>
+                  <a:cs typeface="Open Sans" charset="0"/>
                 </a:rPr>
                 <a:t>GEN</a:t>
               </a:r>
               <a:endParaRPr sz="1600" dirty="0">
-                <a:latin typeface="Times New Roman" charset="0"/>
-                <a:ea typeface="Times New Roman" charset="0"/>
-                <a:cs typeface="Times New Roman" charset="0"/>
+                <a:latin typeface="Open Sans" charset="0"/>
+                <a:ea typeface="Open Sans" charset="0"/>
+                <a:cs typeface="Open Sans" charset="0"/>
               </a:endParaRPr>
             </a:p>
           </p:txBody>
@@ -3578,7 +3602,7 @@
           </p:nvCxnSpPr>
           <p:spPr>
             <a:xfrm>
-              <a:off x="3860262" y="2037893"/>
+              <a:off x="3860262" y="2204153"/>
               <a:ext cx="1548837" cy="57"/>
             </a:xfrm>
             <a:prstGeom prst="straightConnector1">
@@ -3607,7 +3631,7 @@
           </p:nvCxnSpPr>
           <p:spPr>
             <a:xfrm flipH="1">
-              <a:off x="1626525" y="1113813"/>
+              <a:off x="1626525" y="1280073"/>
               <a:ext cx="713" cy="695825"/>
             </a:xfrm>
             <a:prstGeom prst="straightConnector1">
@@ -3633,7 +3657,7 @@
           </p:nvSpPr>
           <p:spPr>
             <a:xfrm>
-              <a:off x="1446336" y="944536"/>
+              <a:off x="1446336" y="1110796"/>
               <a:ext cx="180902" cy="338554"/>
             </a:xfrm>
             <a:prstGeom prst="rect">
@@ -3673,13 +3697,17 @@
             </a:lstStyle>
             <a:p>
               <a:r>
-                <a:rPr lang="el-GR" i="1" dirty="0" smtClean="0"/>
+                <a:rPr lang="el-GR" i="1" dirty="0" smtClean="0">
+                  <a:latin typeface="Open Sans" charset="0"/>
+                  <a:ea typeface="Open Sans" charset="0"/>
+                  <a:cs typeface="Open Sans" charset="0"/>
+                </a:rPr>
                 <a:t>β</a:t>
               </a:r>
               <a:endParaRPr lang="en-US" i="1" dirty="0">
-                <a:latin typeface="Times" charset="0"/>
-                <a:ea typeface="Times" charset="0"/>
-                <a:cs typeface="Times" charset="0"/>
+                <a:latin typeface="Open Sans" charset="0"/>
+                <a:ea typeface="Open Sans" charset="0"/>
+                <a:cs typeface="Open Sans" charset="0"/>
               </a:endParaRPr>
             </a:p>
           </p:txBody>
@@ -3692,7 +3720,7 @@
           </p:nvSpPr>
           <p:spPr>
             <a:xfrm>
-              <a:off x="3425014" y="948992"/>
+              <a:off x="3425014" y="1115252"/>
               <a:ext cx="413896" cy="338554"/>
             </a:xfrm>
             <a:prstGeom prst="rect">
@@ -3732,17 +3760,25 @@
             </a:lstStyle>
             <a:p>
               <a:r>
-                <a:rPr lang="en-US" dirty="0" err="1" smtClean="0"/>
+                <a:rPr lang="en-US" dirty="0" err="1" smtClean="0">
+                  <a:latin typeface="Open Sans" charset="0"/>
+                  <a:ea typeface="Open Sans" charset="0"/>
+                  <a:cs typeface="Open Sans" charset="0"/>
+                </a:rPr>
                 <a:t>mf</a:t>
               </a:r>
               <a:r>
-                <a:rPr lang="en-US" i="1" baseline="-25000" dirty="0" err="1" smtClean="0"/>
+                <a:rPr lang="en-US" i="1" baseline="-25000" dirty="0" err="1" smtClean="0">
+                  <a:latin typeface="Open Sans" charset="0"/>
+                  <a:ea typeface="Open Sans" charset="0"/>
+                  <a:cs typeface="Open Sans" charset="0"/>
+                </a:rPr>
                 <a:t>j</a:t>
               </a:r>
               <a:endParaRPr lang="en-US" i="1" dirty="0">
-                <a:latin typeface="Times" charset="0"/>
-                <a:ea typeface="Times" charset="0"/>
-                <a:cs typeface="Times" charset="0"/>
+                <a:latin typeface="Open Sans" charset="0"/>
+                <a:ea typeface="Open Sans" charset="0"/>
+                <a:cs typeface="Open Sans" charset="0"/>
               </a:endParaRPr>
             </a:p>
           </p:txBody>
@@ -3755,7 +3791,7 @@
           </p:nvSpPr>
           <p:spPr>
             <a:xfrm>
-              <a:off x="5651401" y="942720"/>
+              <a:off x="5651401" y="1108980"/>
               <a:ext cx="413896" cy="338554"/>
             </a:xfrm>
             <a:prstGeom prst="rect">
@@ -3795,17 +3831,25 @@
             </a:lstStyle>
             <a:p>
               <a:r>
-                <a:rPr lang="en-US" dirty="0" err="1" smtClean="0"/>
+                <a:rPr lang="en-US" dirty="0" err="1" smtClean="0">
+                  <a:latin typeface="Open Sans" charset="0"/>
+                  <a:ea typeface="Open Sans" charset="0"/>
+                  <a:cs typeface="Open Sans" charset="0"/>
+                </a:rPr>
                 <a:t>mf</a:t>
               </a:r>
               <a:r>
-                <a:rPr lang="en-US" i="1" baseline="-25000" dirty="0" err="1" smtClean="0"/>
+                <a:rPr lang="en-US" i="1" baseline="-25000" dirty="0" err="1" smtClean="0">
+                  <a:latin typeface="Open Sans" charset="0"/>
+                  <a:ea typeface="Open Sans" charset="0"/>
+                  <a:cs typeface="Open Sans" charset="0"/>
+                </a:rPr>
                 <a:t>k</a:t>
               </a:r>
               <a:endParaRPr lang="en-US" i="1" dirty="0" smtClean="0">
-                <a:latin typeface="Times" charset="0"/>
-                <a:ea typeface="Times" charset="0"/>
-                <a:cs typeface="Times" charset="0"/>
+                <a:latin typeface="Open Sans" charset="0"/>
+                <a:ea typeface="Open Sans" charset="0"/>
+                <a:cs typeface="Open Sans" charset="0"/>
               </a:endParaRPr>
             </a:p>
           </p:txBody>
@@ -3821,7 +3865,7 @@
           </p:nvCxnSpPr>
           <p:spPr>
             <a:xfrm flipV="1">
-              <a:off x="3631962" y="1287546"/>
+              <a:off x="3631962" y="1453806"/>
               <a:ext cx="0" cy="348197"/>
             </a:xfrm>
             <a:prstGeom prst="straightConnector1">
@@ -3850,7 +3894,7 @@
           </p:nvCxnSpPr>
           <p:spPr>
             <a:xfrm flipV="1">
-              <a:off x="5858349" y="1281274"/>
+              <a:off x="5858349" y="1447534"/>
               <a:ext cx="0" cy="528188"/>
             </a:xfrm>
             <a:prstGeom prst="straightConnector1">
@@ -3876,7 +3920,7 @@
           </p:nvSpPr>
           <p:spPr>
             <a:xfrm>
-              <a:off x="770266" y="950038"/>
+              <a:off x="770266" y="1116298"/>
               <a:ext cx="413896" cy="338554"/>
             </a:xfrm>
             <a:prstGeom prst="rect">
@@ -3916,17 +3960,25 @@
             </a:lstStyle>
             <a:p>
               <a:r>
-                <a:rPr lang="en-US" dirty="0" err="1" smtClean="0"/>
+                <a:rPr lang="en-US" dirty="0" err="1" smtClean="0">
+                  <a:latin typeface="Open Sans" charset="0"/>
+                  <a:ea typeface="Open Sans" charset="0"/>
+                  <a:cs typeface="Open Sans" charset="0"/>
+                </a:rPr>
                 <a:t>whp</a:t>
               </a:r>
               <a:r>
-                <a:rPr lang="en-US" i="1" dirty="0" err="1" smtClean="0"/>
+                <a:rPr lang="en-US" i="1" dirty="0" err="1" smtClean="0">
+                  <a:latin typeface="Open Sans" charset="0"/>
+                  <a:ea typeface="Open Sans" charset="0"/>
+                  <a:cs typeface="Open Sans" charset="0"/>
+                </a:rPr>
                 <a:t>,t</a:t>
               </a:r>
               <a:endParaRPr lang="en-US" i="1" dirty="0">
-                <a:latin typeface="Times" charset="0"/>
-                <a:ea typeface="Times" charset="0"/>
-                <a:cs typeface="Times" charset="0"/>
+                <a:latin typeface="Open Sans" charset="0"/>
+                <a:ea typeface="Open Sans" charset="0"/>
+                <a:cs typeface="Open Sans" charset="0"/>
               </a:endParaRPr>
             </a:p>
           </p:txBody>
@@ -3942,7 +3994,7 @@
           </p:nvCxnSpPr>
           <p:spPr>
             <a:xfrm>
-              <a:off x="977214" y="1288592"/>
+              <a:off x="977214" y="1454852"/>
               <a:ext cx="487879" cy="587914"/>
             </a:xfrm>
             <a:prstGeom prst="straightConnector1">
@@ -3968,7 +4020,7 @@
           </p:nvSpPr>
           <p:spPr>
             <a:xfrm>
-              <a:off x="1816709" y="280838"/>
+              <a:off x="1816709" y="447098"/>
               <a:ext cx="1005403" cy="338554"/>
             </a:xfrm>
             <a:prstGeom prst="rect">
@@ -3984,40 +4036,40 @@
             <a:p>
               <a:r>
                 <a:rPr lang="en-US" sz="1600" i="1" dirty="0" smtClean="0">
-                  <a:latin typeface="Times New Roman" charset="0"/>
-                  <a:ea typeface="Times New Roman" charset="0"/>
-                  <a:cs typeface="Times New Roman" charset="0"/>
+                  <a:latin typeface="Open Sans" charset="0"/>
+                  <a:ea typeface="Open Sans" charset="0"/>
+                  <a:cs typeface="Open Sans" charset="0"/>
                 </a:rPr>
                 <a:t>i</a:t>
               </a:r>
               <a:r>
                 <a:rPr lang="en-US" sz="1600" dirty="0" smtClean="0">
-                  <a:latin typeface="Times New Roman" charset="0"/>
-                  <a:ea typeface="Times New Roman" charset="0"/>
-                  <a:cs typeface="Times New Roman" charset="0"/>
+                  <a:latin typeface="Open Sans" charset="0"/>
+                  <a:ea typeface="Open Sans" charset="0"/>
+                  <a:cs typeface="Open Sans" charset="0"/>
                 </a:rPr>
                 <a:t>∈1,</a:t>
               </a:r>
               <a:r>
                 <a:rPr lang="is-IS" sz="1600" dirty="0" smtClean="0">
-                  <a:latin typeface="Times New Roman" charset="0"/>
-                  <a:ea typeface="Times New Roman" charset="0"/>
-                  <a:cs typeface="Times New Roman" charset="0"/>
+                  <a:latin typeface="Open Sans" charset="0"/>
+                  <a:ea typeface="Open Sans" charset="0"/>
+                  <a:cs typeface="Open Sans" charset="0"/>
                 </a:rPr>
                 <a:t>…,</a:t>
               </a:r>
               <a:r>
                 <a:rPr lang="is-IS" sz="1600" i="1" dirty="0">
-                  <a:latin typeface="Times New Roman" charset="0"/>
-                  <a:ea typeface="Times New Roman" charset="0"/>
-                  <a:cs typeface="Times New Roman" charset="0"/>
+                  <a:latin typeface="Open Sans" charset="0"/>
+                  <a:ea typeface="Open Sans" charset="0"/>
+                  <a:cs typeface="Open Sans" charset="0"/>
                 </a:rPr>
                 <a:t>m</a:t>
               </a:r>
               <a:endParaRPr lang="en-US" sz="1600" i="1" dirty="0">
-                <a:latin typeface="Times New Roman" charset="0"/>
-                <a:ea typeface="Times New Roman" charset="0"/>
-                <a:cs typeface="Times New Roman" charset="0"/>
+                <a:latin typeface="Open Sans" charset="0"/>
+                <a:ea typeface="Open Sans" charset="0"/>
+                <a:cs typeface="Open Sans" charset="0"/>
               </a:endParaRPr>
             </a:p>
           </p:txBody>
@@ -4030,7 +4082,7 @@
           </p:nvSpPr>
           <p:spPr>
             <a:xfrm>
-              <a:off x="3175636" y="514673"/>
+              <a:off x="3175636" y="680933"/>
               <a:ext cx="960519" cy="338554"/>
             </a:xfrm>
             <a:prstGeom prst="rect">
@@ -4046,40 +4098,40 @@
             <a:p>
               <a:r>
                 <a:rPr lang="en-US" sz="1600" i="1" dirty="0">
-                  <a:latin typeface="Times New Roman" charset="0"/>
-                  <a:ea typeface="Times New Roman" charset="0"/>
-                  <a:cs typeface="Times New Roman" charset="0"/>
+                  <a:latin typeface="Open Sans" charset="0"/>
+                  <a:ea typeface="Open Sans" charset="0"/>
+                  <a:cs typeface="Open Sans" charset="0"/>
                 </a:rPr>
                 <a:t>j</a:t>
               </a:r>
               <a:r>
                 <a:rPr lang="en-US" sz="1600" dirty="0" smtClean="0">
-                  <a:latin typeface="Times New Roman" charset="0"/>
-                  <a:ea typeface="Times New Roman" charset="0"/>
-                  <a:cs typeface="Times New Roman" charset="0"/>
+                  <a:latin typeface="Open Sans" charset="0"/>
+                  <a:ea typeface="Open Sans" charset="0"/>
+                  <a:cs typeface="Open Sans" charset="0"/>
                 </a:rPr>
                 <a:t>∈1,</a:t>
               </a:r>
               <a:r>
                 <a:rPr lang="is-IS" sz="1600" dirty="0" smtClean="0">
-                  <a:latin typeface="Times New Roman" charset="0"/>
-                  <a:ea typeface="Times New Roman" charset="0"/>
-                  <a:cs typeface="Times New Roman" charset="0"/>
+                  <a:latin typeface="Open Sans" charset="0"/>
+                  <a:ea typeface="Open Sans" charset="0"/>
+                  <a:cs typeface="Open Sans" charset="0"/>
                 </a:rPr>
                 <a:t>…,</a:t>
               </a:r>
               <a:r>
                 <a:rPr lang="is-IS" sz="1600" i="1" dirty="0" smtClean="0">
-                  <a:latin typeface="Times New Roman" charset="0"/>
-                  <a:ea typeface="Times New Roman" charset="0"/>
-                  <a:cs typeface="Times New Roman" charset="0"/>
+                  <a:latin typeface="Open Sans" charset="0"/>
+                  <a:ea typeface="Open Sans" charset="0"/>
+                  <a:cs typeface="Open Sans" charset="0"/>
                 </a:rPr>
                 <a:t>n</a:t>
               </a:r>
               <a:endParaRPr lang="en-US" sz="1600" i="1" dirty="0">
-                <a:latin typeface="Times New Roman" charset="0"/>
-                <a:ea typeface="Times New Roman" charset="0"/>
-                <a:cs typeface="Times New Roman" charset="0"/>
+                <a:latin typeface="Open Sans" charset="0"/>
+                <a:ea typeface="Open Sans" charset="0"/>
+                <a:cs typeface="Open Sans" charset="0"/>
               </a:endParaRPr>
             </a:p>
           </p:txBody>
@@ -4092,7 +4144,7 @@
           </p:nvSpPr>
           <p:spPr>
             <a:xfrm>
-              <a:off x="5378089" y="511283"/>
+              <a:off x="5378089" y="677543"/>
               <a:ext cx="994183" cy="338554"/>
             </a:xfrm>
             <a:prstGeom prst="rect">
@@ -4108,40 +4160,40 @@
             <a:p>
               <a:r>
                 <a:rPr lang="en-US" sz="1600" i="1" dirty="0">
-                  <a:latin typeface="Times New Roman" charset="0"/>
-                  <a:ea typeface="Times New Roman" charset="0"/>
-                  <a:cs typeface="Times New Roman" charset="0"/>
+                  <a:latin typeface="Open Sans" charset="0"/>
+                  <a:ea typeface="Open Sans" charset="0"/>
+                  <a:cs typeface="Open Sans" charset="0"/>
                 </a:rPr>
                 <a:t>k</a:t>
               </a:r>
               <a:r>
                 <a:rPr lang="en-US" sz="1600" dirty="0" smtClean="0">
-                  <a:latin typeface="Times New Roman" charset="0"/>
-                  <a:ea typeface="Times New Roman" charset="0"/>
-                  <a:cs typeface="Times New Roman" charset="0"/>
+                  <a:latin typeface="Open Sans" charset="0"/>
+                  <a:ea typeface="Open Sans" charset="0"/>
+                  <a:cs typeface="Open Sans" charset="0"/>
                 </a:rPr>
                 <a:t>∈1,</a:t>
               </a:r>
               <a:r>
                 <a:rPr lang="is-IS" sz="1600" dirty="0" smtClean="0">
-                  <a:latin typeface="Times New Roman" charset="0"/>
-                  <a:ea typeface="Times New Roman" charset="0"/>
-                  <a:cs typeface="Times New Roman" charset="0"/>
+                  <a:latin typeface="Open Sans" charset="0"/>
+                  <a:ea typeface="Open Sans" charset="0"/>
+                  <a:cs typeface="Open Sans" charset="0"/>
                 </a:rPr>
                 <a:t>…,</a:t>
               </a:r>
               <a:r>
                 <a:rPr lang="is-IS" sz="1600" i="1" dirty="0">
-                  <a:latin typeface="Times New Roman" charset="0"/>
-                  <a:ea typeface="Times New Roman" charset="0"/>
-                  <a:cs typeface="Times New Roman" charset="0"/>
+                  <a:latin typeface="Open Sans" charset="0"/>
+                  <a:ea typeface="Open Sans" charset="0"/>
+                  <a:cs typeface="Open Sans" charset="0"/>
                 </a:rPr>
                 <a:t>o</a:t>
               </a:r>
               <a:endParaRPr lang="en-US" sz="1600" i="1" dirty="0">
-                <a:latin typeface="Times New Roman" charset="0"/>
-                <a:ea typeface="Times New Roman" charset="0"/>
-                <a:cs typeface="Times New Roman" charset="0"/>
+                <a:latin typeface="Open Sans" charset="0"/>
+                <a:ea typeface="Open Sans" charset="0"/>
+                <a:cs typeface="Open Sans" charset="0"/>
               </a:endParaRPr>
             </a:p>
           </p:txBody>
@@ -4154,8 +4206,8 @@
           </p:nvGrpSpPr>
           <p:grpSpPr>
             <a:xfrm>
-              <a:off x="1979212" y="590405"/>
-              <a:ext cx="680400" cy="781649"/>
+              <a:off x="1979211" y="756665"/>
+              <a:ext cx="867403" cy="781649"/>
               <a:chOff x="1299510" y="590405"/>
               <a:chExt cx="680400" cy="781649"/>
             </a:xfrm>
@@ -4204,7 +4256,11 @@
               <a:lstStyle/>
               <a:p>
                 <a:pPr algn="ctr"/>
-                <a:endParaRPr lang="en-US"/>
+                <a:endParaRPr lang="en-US">
+                  <a:latin typeface="Open Sans" charset="0"/>
+                  <a:ea typeface="Open Sans" charset="0"/>
+                  <a:cs typeface="Open Sans" charset="0"/>
+                </a:endParaRPr>
               </a:p>
             </p:txBody>
           </p:sp>
@@ -4252,7 +4308,11 @@
               <a:lstStyle/>
               <a:p>
                 <a:pPr algn="ctr"/>
-                <a:endParaRPr lang="en-US"/>
+                <a:endParaRPr lang="en-US">
+                  <a:latin typeface="Open Sans" charset="0"/>
+                  <a:ea typeface="Open Sans" charset="0"/>
+                  <a:cs typeface="Open Sans" charset="0"/>
+                </a:endParaRPr>
               </a:p>
             </p:txBody>
           </p:sp>
@@ -4300,7 +4360,11 @@
               <a:lstStyle/>
               <a:p>
                 <a:pPr algn="ctr"/>
-                <a:endParaRPr lang="en-US"/>
+                <a:endParaRPr lang="en-US">
+                  <a:latin typeface="Open Sans" charset="0"/>
+                  <a:ea typeface="Open Sans" charset="0"/>
+                  <a:cs typeface="Open Sans" charset="0"/>
+                </a:endParaRPr>
               </a:p>
             </p:txBody>
           </p:sp>
@@ -4313,7 +4377,7 @@
           </p:nvSpPr>
           <p:spPr>
             <a:xfrm>
-              <a:off x="2100275" y="947504"/>
+              <a:off x="2180285" y="1113764"/>
               <a:ext cx="413896" cy="338554"/>
             </a:xfrm>
             <a:prstGeom prst="rect">
@@ -4353,17 +4417,25 @@
             </a:lstStyle>
             <a:p>
               <a:r>
-                <a:rPr lang="en-US" dirty="0" err="1" smtClean="0"/>
+                <a:rPr lang="en-US" dirty="0" err="1" smtClean="0">
+                  <a:latin typeface="Open Sans" charset="0"/>
+                  <a:ea typeface="Open Sans" charset="0"/>
+                  <a:cs typeface="Open Sans" charset="0"/>
+                </a:rPr>
                 <a:t>mf</a:t>
               </a:r>
               <a:r>
-                <a:rPr lang="en-US" i="1" baseline="-25000" dirty="0" err="1" smtClean="0"/>
-                <a:t>j</a:t>
+                <a:rPr lang="en-US" i="1" baseline="-25000" dirty="0" err="1" smtClean="0">
+                  <a:latin typeface="Open Sans" charset="0"/>
+                  <a:ea typeface="Open Sans" charset="0"/>
+                  <a:cs typeface="Open Sans" charset="0"/>
+                </a:rPr>
+                <a:t>i</a:t>
               </a:r>
               <a:endParaRPr lang="en-US" i="1" dirty="0">
-                <a:latin typeface="Times" charset="0"/>
-                <a:ea typeface="Times" charset="0"/>
-                <a:cs typeface="Times" charset="0"/>
+                <a:latin typeface="Open Sans" charset="0"/>
+                <a:ea typeface="Open Sans" charset="0"/>
+                <a:cs typeface="Open Sans" charset="0"/>
               </a:endParaRPr>
             </a:p>
           </p:txBody>
@@ -4379,8 +4451,8 @@
           </p:nvCxnSpPr>
           <p:spPr>
             <a:xfrm flipV="1">
-              <a:off x="1787957" y="1286058"/>
-              <a:ext cx="519266" cy="590448"/>
+              <a:off x="1787957" y="1452318"/>
+              <a:ext cx="599276" cy="590448"/>
             </a:xfrm>
             <a:prstGeom prst="straightConnector1">
               <a:avLst/>
@@ -4405,7 +4477,7 @@
           </p:nvSpPr>
           <p:spPr>
             <a:xfrm>
-              <a:off x="2386515" y="2004046"/>
+              <a:off x="2386515" y="2170306"/>
               <a:ext cx="413896" cy="338554"/>
             </a:xfrm>
             <a:prstGeom prst="rect">
@@ -4445,13 +4517,17 @@
             </a:lstStyle>
             <a:p>
               <a:r>
-                <a:rPr lang="en-US" smtClean="0"/>
+                <a:rPr lang="en-US" smtClean="0">
+                  <a:latin typeface="Open Sans" charset="0"/>
+                  <a:ea typeface="Open Sans" charset="0"/>
+                  <a:cs typeface="Open Sans" charset="0"/>
+                </a:rPr>
                 <a:t>mf estimate</a:t>
               </a:r>
               <a:endParaRPr lang="en-US" dirty="0">
-                <a:latin typeface="Times" charset="0"/>
-                <a:ea typeface="Times" charset="0"/>
-                <a:cs typeface="Times" charset="0"/>
+                <a:latin typeface="Open Sans" charset="0"/>
+                <a:ea typeface="Open Sans" charset="0"/>
+                <a:cs typeface="Open Sans" charset="0"/>
               </a:endParaRPr>
             </a:p>
           </p:txBody>
@@ -4464,7 +4540,7 @@
           </p:nvSpPr>
           <p:spPr>
             <a:xfrm>
-              <a:off x="4427732" y="2004046"/>
+              <a:off x="4427732" y="2289215"/>
               <a:ext cx="413896" cy="338554"/>
             </a:xfrm>
             <a:prstGeom prst="rect">
@@ -4504,17 +4580,35 @@
             </a:lstStyle>
             <a:p>
               <a:r>
-                <a:rPr lang="en-US" smtClean="0"/>
-                <a:t>steam mf </a:t>
+                <a:rPr lang="en-US" smtClean="0">
+                  <a:latin typeface="Open Sans" charset="0"/>
+                  <a:ea typeface="Open Sans" charset="0"/>
+                  <a:cs typeface="Open Sans" charset="0"/>
+                </a:rPr>
+                <a:t>steam </a:t>
               </a:r>
               <a:r>
-                <a:rPr lang="en-US" dirty="0" smtClean="0"/>
+                <a:rPr lang="en-US" smtClean="0">
+                  <a:latin typeface="Open Sans" charset="0"/>
+                  <a:ea typeface="Open Sans" charset="0"/>
+                  <a:cs typeface="Open Sans" charset="0"/>
+                </a:rPr>
+                <a:t>mf</a:t>
+              </a:r>
+            </a:p>
+            <a:p>
+              <a:r>
+                <a:rPr lang="en-US" dirty="0" smtClean="0">
+                  <a:latin typeface="Open Sans" charset="0"/>
+                  <a:ea typeface="Open Sans" charset="0"/>
+                  <a:cs typeface="Open Sans" charset="0"/>
+                </a:rPr>
                 <a:t>estimate</a:t>
               </a:r>
               <a:endParaRPr lang="en-US" dirty="0">
-                <a:latin typeface="Times" charset="0"/>
-                <a:ea typeface="Times" charset="0"/>
-                <a:cs typeface="Times" charset="0"/>
+                <a:latin typeface="Open Sans" charset="0"/>
+                <a:ea typeface="Open Sans" charset="0"/>
+                <a:cs typeface="Open Sans" charset="0"/>
               </a:endParaRPr>
             </a:p>
           </p:txBody>
@@ -4530,8 +4624,8 @@
           </p:nvCxnSpPr>
           <p:spPr>
             <a:xfrm>
-              <a:off x="1627238" y="1113813"/>
-              <a:ext cx="473037" cy="2968"/>
+              <a:off x="1627238" y="1280073"/>
+              <a:ext cx="553047" cy="2968"/>
             </a:xfrm>
             <a:prstGeom prst="straightConnector1">
               <a:avLst/>
@@ -4556,7 +4650,7 @@
           </p:nvSpPr>
           <p:spPr>
             <a:xfrm>
-              <a:off x="2013109" y="612687"/>
+              <a:off x="2093119" y="778947"/>
               <a:ext cx="540666" cy="338554"/>
             </a:xfrm>
             <a:prstGeom prst="rect">
@@ -4596,25 +4690,41 @@
             </a:lstStyle>
             <a:p>
               <a:r>
-                <a:rPr lang="en-US" dirty="0" err="1" smtClean="0"/>
+                <a:rPr lang="en-US" dirty="0" err="1" smtClean="0">
+                  <a:latin typeface="Open Sans" charset="0"/>
+                  <a:ea typeface="Open Sans" charset="0"/>
+                  <a:cs typeface="Open Sans" charset="0"/>
+                </a:rPr>
                 <a:t>whp</a:t>
               </a:r>
               <a:r>
-                <a:rPr lang="en-US" i="1" baseline="-25000" dirty="0" err="1" smtClean="0"/>
+                <a:rPr lang="en-US" i="1" baseline="-25000" dirty="0" err="1" smtClean="0">
+                  <a:latin typeface="Open Sans" charset="0"/>
+                  <a:ea typeface="Open Sans" charset="0"/>
+                  <a:cs typeface="Open Sans" charset="0"/>
+                </a:rPr>
                 <a:t>i</a:t>
               </a:r>
               <a:r>
-                <a:rPr lang="en-US" i="1" dirty="0" err="1" smtClean="0"/>
+                <a:rPr lang="en-US" i="1" dirty="0" err="1" smtClean="0">
+                  <a:latin typeface="Open Sans" charset="0"/>
+                  <a:ea typeface="Open Sans" charset="0"/>
+                  <a:cs typeface="Open Sans" charset="0"/>
+                </a:rPr>
                 <a:t>,t</a:t>
               </a:r>
               <a:r>
-                <a:rPr lang="en-US" i="1" baseline="-25000" dirty="0" err="1" smtClean="0"/>
+                <a:rPr lang="en-US" i="1" baseline="-25000" dirty="0" err="1" smtClean="0">
+                  <a:latin typeface="Open Sans" charset="0"/>
+                  <a:ea typeface="Open Sans" charset="0"/>
+                  <a:cs typeface="Open Sans" charset="0"/>
+                </a:rPr>
                 <a:t>i</a:t>
               </a:r>
               <a:endParaRPr lang="en-US" i="1" baseline="-25000" dirty="0">
-                <a:latin typeface="Times" charset="0"/>
-                <a:ea typeface="Times" charset="0"/>
-                <a:cs typeface="Times" charset="0"/>
+                <a:latin typeface="Open Sans" charset="0"/>
+                <a:ea typeface="Open Sans" charset="0"/>
+                <a:cs typeface="Open Sans" charset="0"/>
               </a:endParaRPr>
             </a:p>
           </p:txBody>
@@ -4630,8 +4740,8 @@
           </p:nvCxnSpPr>
           <p:spPr>
             <a:xfrm flipV="1">
-              <a:off x="1627238" y="781964"/>
-              <a:ext cx="385871" cy="331849"/>
+              <a:off x="1627238" y="948224"/>
+              <a:ext cx="465881" cy="331849"/>
             </a:xfrm>
             <a:prstGeom prst="straightConnector1">
               <a:avLst/>
@@ -4648,45 +4758,45 @@
             </a:ln>
           </p:spPr>
         </p:cxnSp>
+        <p:sp>
+          <p:nvSpPr>
+            <p:cNvPr id="3" name="TextBox 2"/>
+            <p:cNvSpPr txBox="1"/>
+            <p:nvPr/>
+          </p:nvSpPr>
+          <p:spPr>
+            <a:xfrm>
+              <a:off x="1597056" y="121395"/>
+              <a:ext cx="1230530" cy="338554"/>
+            </a:xfrm>
+            <a:prstGeom prst="rect">
+              <a:avLst/>
+            </a:prstGeom>
+            <a:noFill/>
+          </p:spPr>
+          <p:txBody>
+            <a:bodyPr wrap="none" rtlCol="0">
+              <a:spAutoFit/>
+            </a:bodyPr>
+            <a:lstStyle/>
+            <a:p>
+              <a:r>
+                <a:rPr lang="en-US" sz="1600" dirty="0" smtClean="0">
+                  <a:latin typeface="Open Sans" charset="0"/>
+                  <a:ea typeface="Open Sans" charset="0"/>
+                  <a:cs typeface="Open Sans" charset="0"/>
+                </a:rPr>
+                <a:t>Regression</a:t>
+              </a:r>
+              <a:endParaRPr lang="en-US" sz="1600" dirty="0">
+                <a:latin typeface="Open Sans" charset="0"/>
+                <a:ea typeface="Open Sans" charset="0"/>
+                <a:cs typeface="Open Sans" charset="0"/>
+              </a:endParaRPr>
+            </a:p>
+          </p:txBody>
+        </p:sp>
       </p:grpSp>
-      <p:sp>
-        <p:nvSpPr>
-          <p:cNvPr id="3" name="TextBox 2"/>
-          <p:cNvSpPr txBox="1"/>
-          <p:nvPr/>
-        </p:nvSpPr>
-        <p:spPr>
-          <a:xfrm>
-            <a:off x="1597056" y="121395"/>
-            <a:ext cx="1098378" cy="338554"/>
-          </a:xfrm>
-          <a:prstGeom prst="rect">
-            <a:avLst/>
-          </a:prstGeom>
-          <a:noFill/>
-        </p:spPr>
-        <p:txBody>
-          <a:bodyPr wrap="none" rtlCol="0">
-            <a:spAutoFit/>
-          </a:bodyPr>
-          <a:lstStyle/>
-          <a:p>
-            <a:r>
-              <a:rPr lang="en-US" sz="1600" dirty="0" smtClean="0">
-                <a:latin typeface="Times New Roman" charset="0"/>
-                <a:ea typeface="Times New Roman" charset="0"/>
-                <a:cs typeface="Times New Roman" charset="0"/>
-              </a:rPr>
-              <a:t>Regression</a:t>
-            </a:r>
-            <a:endParaRPr lang="en-US" sz="1600" dirty="0">
-              <a:latin typeface="Times New Roman" charset="0"/>
-              <a:ea typeface="Times New Roman" charset="0"/>
-              <a:cs typeface="Times New Roman" charset="0"/>
-            </a:endParaRPr>
-          </a:p>
-        </p:txBody>
-      </p:sp>
     </p:spTree>
     <p:extLst>
       <p:ext uri="{BB962C8B-B14F-4D97-AF65-F5344CB8AC3E}">
